--- a/RaciocinioAlgoritmico/Tópico 03 - Estruturas de Seleção Múltiplas (ELIF)/Tópico 03 - Estruturas de Seleção Múltiplas (ELIF).pptx
+++ b/RaciocinioAlgoritmico/Tópico 03 - Estruturas de Seleção Múltiplas (ELIF)/Tópico 03 - Estruturas de Seleção Múltiplas (ELIF).pptx
@@ -304,7 +304,7 @@
             <a:pPr algn="r">
               <a:buNone/>
             </a:pPr>
-            <a:fld id="{092FB602-B03B-4938-926C-AE6D3C7EE9C8}" type="slidenum">
+            <a:fld id="{28FF6D00-BCC7-4D27-932E-EAE497CD81EA}" type="slidenum">
               <a:rPr b="0" lang="pt-BR" sz="1400" spc="-1" strike="noStrike">
                 <a:latin typeface="Times New Roman"/>
               </a:rPr>
@@ -352,7 +352,7 @@
         <p:spPr>
           <a:xfrm>
             <a:off x="1498680" y="1200240"/>
-            <a:ext cx="4309560" cy="3231720"/>
+            <a:ext cx="4309200" cy="3231360"/>
           </a:xfrm>
           <a:prstGeom prst="rect">
             <a:avLst/>
@@ -375,7 +375,7 @@
         <p:spPr>
           <a:xfrm>
             <a:off x="731520" y="4620240"/>
-            <a:ext cx="5842440" cy="3771360"/>
+            <a:ext cx="5842080" cy="3771000"/>
           </a:xfrm>
           <a:prstGeom prst="rect">
             <a:avLst/>
@@ -405,7 +405,7 @@
         <p:spPr>
           <a:xfrm>
             <a:off x="0" y="9119520"/>
-            <a:ext cx="3160440" cy="472680"/>
+            <a:ext cx="3160080" cy="472320"/>
           </a:xfrm>
           <a:prstGeom prst="rect">
             <a:avLst/>
@@ -483,7 +483,7 @@
         <p:spPr>
           <a:xfrm>
             <a:off x="1498680" y="1200240"/>
-            <a:ext cx="4309560" cy="3231720"/>
+            <a:ext cx="4309200" cy="3231360"/>
           </a:xfrm>
           <a:prstGeom prst="rect">
             <a:avLst/>
@@ -506,7 +506,7 @@
         <p:spPr>
           <a:xfrm>
             <a:off x="731520" y="4620240"/>
-            <a:ext cx="5842440" cy="3771360"/>
+            <a:ext cx="5842080" cy="3771000"/>
           </a:xfrm>
           <a:prstGeom prst="rect">
             <a:avLst/>
@@ -536,7 +536,7 @@
         <p:spPr>
           <a:xfrm>
             <a:off x="0" y="9119520"/>
-            <a:ext cx="3160440" cy="472680"/>
+            <a:ext cx="3160080" cy="472320"/>
           </a:xfrm>
           <a:prstGeom prst="rect">
             <a:avLst/>
@@ -614,7 +614,7 @@
         <p:spPr>
           <a:xfrm>
             <a:off x="1498680" y="1200240"/>
-            <a:ext cx="4309560" cy="3231720"/>
+            <a:ext cx="4309200" cy="3231360"/>
           </a:xfrm>
           <a:prstGeom prst="rect">
             <a:avLst/>
@@ -637,7 +637,7 @@
         <p:spPr>
           <a:xfrm>
             <a:off x="731520" y="4620240"/>
-            <a:ext cx="5842080" cy="3771000"/>
+            <a:ext cx="5841720" cy="3770640"/>
           </a:xfrm>
           <a:prstGeom prst="rect">
             <a:avLst/>
@@ -667,7 +667,7 @@
         <p:spPr>
           <a:xfrm>
             <a:off x="0" y="9119520"/>
-            <a:ext cx="3160080" cy="472320"/>
+            <a:ext cx="3159720" cy="471960"/>
           </a:xfrm>
           <a:prstGeom prst="rect">
             <a:avLst/>
@@ -745,7 +745,7 @@
         <p:spPr>
           <a:xfrm>
             <a:off x="1498680" y="1200240"/>
-            <a:ext cx="4309560" cy="3231720"/>
+            <a:ext cx="4309200" cy="3231360"/>
           </a:xfrm>
           <a:prstGeom prst="rect">
             <a:avLst/>
@@ -768,7 +768,7 @@
         <p:spPr>
           <a:xfrm>
             <a:off x="731520" y="4620240"/>
-            <a:ext cx="5842440" cy="3771360"/>
+            <a:ext cx="5842080" cy="3771000"/>
           </a:xfrm>
           <a:prstGeom prst="rect">
             <a:avLst/>
@@ -798,7 +798,7 @@
         <p:spPr>
           <a:xfrm>
             <a:off x="0" y="9119520"/>
-            <a:ext cx="3160440" cy="472680"/>
+            <a:ext cx="3160080" cy="472320"/>
           </a:xfrm>
           <a:prstGeom prst="rect">
             <a:avLst/>
@@ -876,7 +876,7 @@
         <p:spPr>
           <a:xfrm>
             <a:off x="1498680" y="1200240"/>
-            <a:ext cx="4309560" cy="3231720"/>
+            <a:ext cx="4309200" cy="3231360"/>
           </a:xfrm>
           <a:prstGeom prst="rect">
             <a:avLst/>
@@ -899,7 +899,7 @@
         <p:spPr>
           <a:xfrm>
             <a:off x="731520" y="4620240"/>
-            <a:ext cx="5842440" cy="3771360"/>
+            <a:ext cx="5842080" cy="3771000"/>
           </a:xfrm>
           <a:prstGeom prst="rect">
             <a:avLst/>
@@ -929,7 +929,7 @@
         <p:spPr>
           <a:xfrm>
             <a:off x="0" y="9119520"/>
-            <a:ext cx="3160440" cy="472680"/>
+            <a:ext cx="3160080" cy="472320"/>
           </a:xfrm>
           <a:prstGeom prst="rect">
             <a:avLst/>
@@ -1007,7 +1007,7 @@
         <p:spPr>
           <a:xfrm>
             <a:off x="1498680" y="1200240"/>
-            <a:ext cx="4309560" cy="3231720"/>
+            <a:ext cx="4309200" cy="3231360"/>
           </a:xfrm>
           <a:prstGeom prst="rect">
             <a:avLst/>
@@ -1030,7 +1030,7 @@
         <p:spPr>
           <a:xfrm>
             <a:off x="731520" y="4620240"/>
-            <a:ext cx="5842440" cy="3771360"/>
+            <a:ext cx="5842080" cy="3771000"/>
           </a:xfrm>
           <a:prstGeom prst="rect">
             <a:avLst/>
@@ -1060,7 +1060,7 @@
         <p:spPr>
           <a:xfrm>
             <a:off x="0" y="9119520"/>
-            <a:ext cx="3160440" cy="472680"/>
+            <a:ext cx="3160080" cy="472320"/>
           </a:xfrm>
           <a:prstGeom prst="rect">
             <a:avLst/>
@@ -1138,7 +1138,7 @@
         <p:spPr>
           <a:xfrm>
             <a:off x="1498680" y="1200240"/>
-            <a:ext cx="4309560" cy="3231720"/>
+            <a:ext cx="4309200" cy="3231360"/>
           </a:xfrm>
           <a:prstGeom prst="rect">
             <a:avLst/>
@@ -1161,7 +1161,7 @@
         <p:spPr>
           <a:xfrm>
             <a:off x="731520" y="4620240"/>
-            <a:ext cx="5842440" cy="3771360"/>
+            <a:ext cx="5842080" cy="3771000"/>
           </a:xfrm>
           <a:prstGeom prst="rect">
             <a:avLst/>
@@ -1191,7 +1191,7 @@
         <p:spPr>
           <a:xfrm>
             <a:off x="0" y="9119520"/>
-            <a:ext cx="3160440" cy="472680"/>
+            <a:ext cx="3160080" cy="472320"/>
           </a:xfrm>
           <a:prstGeom prst="rect">
             <a:avLst/>
@@ -1269,7 +1269,7 @@
         <p:spPr>
           <a:xfrm>
             <a:off x="1498680" y="1200240"/>
-            <a:ext cx="4309560" cy="3231720"/>
+            <a:ext cx="4309200" cy="3231360"/>
           </a:xfrm>
           <a:prstGeom prst="rect">
             <a:avLst/>
@@ -1292,7 +1292,7 @@
         <p:spPr>
           <a:xfrm>
             <a:off x="731520" y="4620240"/>
-            <a:ext cx="5842440" cy="3771360"/>
+            <a:ext cx="5842080" cy="3771000"/>
           </a:xfrm>
           <a:prstGeom prst="rect">
             <a:avLst/>
@@ -1322,7 +1322,7 @@
         <p:spPr>
           <a:xfrm>
             <a:off x="0" y="9119520"/>
-            <a:ext cx="3160440" cy="472680"/>
+            <a:ext cx="3160080" cy="472320"/>
           </a:xfrm>
           <a:prstGeom prst="rect">
             <a:avLst/>
@@ -1400,7 +1400,7 @@
         <p:spPr>
           <a:xfrm>
             <a:off x="1498680" y="1200240"/>
-            <a:ext cx="4309560" cy="3231720"/>
+            <a:ext cx="4309200" cy="3231360"/>
           </a:xfrm>
           <a:prstGeom prst="rect">
             <a:avLst/>
@@ -1423,7 +1423,7 @@
         <p:spPr>
           <a:xfrm>
             <a:off x="731520" y="4620240"/>
-            <a:ext cx="5842440" cy="3771360"/>
+            <a:ext cx="5842080" cy="3771000"/>
           </a:xfrm>
           <a:prstGeom prst="rect">
             <a:avLst/>
@@ -1453,7 +1453,7 @@
         <p:spPr>
           <a:xfrm>
             <a:off x="0" y="9119520"/>
-            <a:ext cx="3160440" cy="472680"/>
+            <a:ext cx="3160080" cy="472320"/>
           </a:xfrm>
           <a:prstGeom prst="rect">
             <a:avLst/>
@@ -1531,7 +1531,7 @@
         <p:spPr>
           <a:xfrm>
             <a:off x="1498680" y="1200240"/>
-            <a:ext cx="4309560" cy="3231720"/>
+            <a:ext cx="4309200" cy="3231360"/>
           </a:xfrm>
           <a:prstGeom prst="rect">
             <a:avLst/>
@@ -1554,7 +1554,7 @@
         <p:spPr>
           <a:xfrm>
             <a:off x="731520" y="4620240"/>
-            <a:ext cx="5842440" cy="3771360"/>
+            <a:ext cx="5842080" cy="3771000"/>
           </a:xfrm>
           <a:prstGeom prst="rect">
             <a:avLst/>
@@ -1584,7 +1584,7 @@
         <p:spPr>
           <a:xfrm>
             <a:off x="0" y="9119520"/>
-            <a:ext cx="3160440" cy="472680"/>
+            <a:ext cx="3160080" cy="472320"/>
           </a:xfrm>
           <a:prstGeom prst="rect">
             <a:avLst/>
@@ -7761,7 +7761,7 @@
         <p:spPr>
           <a:xfrm>
             <a:off x="0" y="3150000"/>
-            <a:ext cx="9710280" cy="1250280"/>
+            <a:ext cx="9709920" cy="1249920"/>
           </a:xfrm>
           <a:prstGeom prst="rect">
             <a:avLst/>
@@ -7815,7 +7815,103 @@
               <a:rPr b="0" lang="pt-BR" sz="4400" spc="-1" strike="noStrike">
                 <a:latin typeface="Arial"/>
               </a:rPr>
-              <a:t>Click to edit the title text format</a:t>
+              <a:t>Cl</a:t>
+            </a:r>
+            <a:r>
+              <a:rPr b="0" lang="pt-BR" sz="4400" spc="-1" strike="noStrike">
+                <a:latin typeface="Arial"/>
+              </a:rPr>
+              <a:t>ic</a:t>
+            </a:r>
+            <a:r>
+              <a:rPr b="0" lang="pt-BR" sz="4400" spc="-1" strike="noStrike">
+                <a:latin typeface="Arial"/>
+              </a:rPr>
+              <a:t>k </a:t>
+            </a:r>
+            <a:r>
+              <a:rPr b="0" lang="pt-BR" sz="4400" spc="-1" strike="noStrike">
+                <a:latin typeface="Arial"/>
+              </a:rPr>
+              <a:t>to </a:t>
+            </a:r>
+            <a:r>
+              <a:rPr b="0" lang="pt-BR" sz="4400" spc="-1" strike="noStrike">
+                <a:latin typeface="Arial"/>
+              </a:rPr>
+              <a:t>e</a:t>
+            </a:r>
+            <a:r>
+              <a:rPr b="0" lang="pt-BR" sz="4400" spc="-1" strike="noStrike">
+                <a:latin typeface="Arial"/>
+              </a:rPr>
+              <a:t>di</a:t>
+            </a:r>
+            <a:r>
+              <a:rPr b="0" lang="pt-BR" sz="4400" spc="-1" strike="noStrike">
+                <a:latin typeface="Arial"/>
+              </a:rPr>
+              <a:t>t </a:t>
+            </a:r>
+            <a:r>
+              <a:rPr b="0" lang="pt-BR" sz="4400" spc="-1" strike="noStrike">
+                <a:latin typeface="Arial"/>
+              </a:rPr>
+              <a:t>th</a:t>
+            </a:r>
+            <a:r>
+              <a:rPr b="0" lang="pt-BR" sz="4400" spc="-1" strike="noStrike">
+                <a:latin typeface="Arial"/>
+              </a:rPr>
+              <a:t>e </a:t>
+            </a:r>
+            <a:r>
+              <a:rPr b="0" lang="pt-BR" sz="4400" spc="-1" strike="noStrike">
+                <a:latin typeface="Arial"/>
+              </a:rPr>
+              <a:t>tit</a:t>
+            </a:r>
+            <a:r>
+              <a:rPr b="0" lang="pt-BR" sz="4400" spc="-1" strike="noStrike">
+                <a:latin typeface="Arial"/>
+              </a:rPr>
+              <a:t>le </a:t>
+            </a:r>
+            <a:r>
+              <a:rPr b="0" lang="pt-BR" sz="4400" spc="-1" strike="noStrike">
+                <a:latin typeface="Arial"/>
+              </a:rPr>
+              <a:t>te</a:t>
+            </a:r>
+            <a:r>
+              <a:rPr b="0" lang="pt-BR" sz="4400" spc="-1" strike="noStrike">
+                <a:latin typeface="Arial"/>
+              </a:rPr>
+              <a:t>xt </a:t>
+            </a:r>
+            <a:r>
+              <a:rPr b="0" lang="pt-BR" sz="4400" spc="-1" strike="noStrike">
+                <a:latin typeface="Arial"/>
+              </a:rPr>
+              <a:t>fo</a:t>
+            </a:r>
+            <a:r>
+              <a:rPr b="0" lang="pt-BR" sz="4400" spc="-1" strike="noStrike">
+                <a:latin typeface="Arial"/>
+              </a:rPr>
+              <a:t>r</a:t>
+            </a:r>
+            <a:r>
+              <a:rPr b="0" lang="pt-BR" sz="4400" spc="-1" strike="noStrike">
+                <a:latin typeface="Arial"/>
+              </a:rPr>
+              <a:t>m</a:t>
+            </a:r>
+            <a:r>
+              <a:rPr b="0" lang="pt-BR" sz="4400" spc="-1" strike="noStrike">
+                <a:latin typeface="Arial"/>
+              </a:rPr>
+              <a:t>at</a:t>
             </a:r>
             <a:endParaRPr b="0" lang="pt-BR" sz="4400" spc="-1" strike="noStrike">
               <a:latin typeface="Arial"/>
@@ -8059,7 +8155,7 @@
         <p:spPr>
           <a:xfrm>
             <a:off x="0" y="180000"/>
-            <a:ext cx="9709920" cy="1249920"/>
+            <a:ext cx="9709560" cy="1249560"/>
           </a:xfrm>
           <a:prstGeom prst="rect">
             <a:avLst/>
@@ -8087,7 +8183,7 @@
         <p:spPr>
           <a:xfrm>
             <a:off x="7560000" y="6840000"/>
-            <a:ext cx="2509920" cy="529920"/>
+            <a:ext cx="2509560" cy="529560"/>
           </a:xfrm>
           <a:prstGeom prst="rect">
             <a:avLst/>
@@ -8115,7 +8211,7 @@
         <p:spPr>
           <a:xfrm>
             <a:off x="900000" y="6840000"/>
-            <a:ext cx="6469920" cy="529920"/>
+            <a:ext cx="6469560" cy="529560"/>
           </a:xfrm>
           <a:prstGeom prst="rect">
             <a:avLst/>
@@ -8143,7 +8239,7 @@
         <p:spPr>
           <a:xfrm>
             <a:off x="180000" y="6840000"/>
-            <a:ext cx="529920" cy="529920"/>
+            <a:ext cx="529560" cy="529560"/>
           </a:xfrm>
           <a:prstGeom prst="rect">
             <a:avLst/>
@@ -8195,7 +8291,49 @@
               <a:rPr b="0" lang="pt-BR" sz="4400" spc="-1" strike="noStrike">
                 <a:latin typeface="Arial"/>
               </a:rPr>
-              <a:t>Click to edit the title text format</a:t>
+              <a:t>Clic</a:t>
+            </a:r>
+            <a:r>
+              <a:rPr b="0" lang="pt-BR" sz="4400" spc="-1" strike="noStrike">
+                <a:latin typeface="Arial"/>
+              </a:rPr>
+              <a:t>k to </a:t>
+            </a:r>
+            <a:r>
+              <a:rPr b="0" lang="pt-BR" sz="4400" spc="-1" strike="noStrike">
+                <a:latin typeface="Arial"/>
+              </a:rPr>
+              <a:t>edit </a:t>
+            </a:r>
+            <a:r>
+              <a:rPr b="0" lang="pt-BR" sz="4400" spc="-1" strike="noStrike">
+                <a:latin typeface="Arial"/>
+              </a:rPr>
+              <a:t>the </a:t>
+            </a:r>
+            <a:r>
+              <a:rPr b="0" lang="pt-BR" sz="4400" spc="-1" strike="noStrike">
+                <a:latin typeface="Arial"/>
+              </a:rPr>
+              <a:t>title </a:t>
+            </a:r>
+            <a:r>
+              <a:rPr b="0" lang="pt-BR" sz="4400" spc="-1" strike="noStrike">
+                <a:latin typeface="Arial"/>
+              </a:rPr>
+              <a:t>text </a:t>
+            </a:r>
+            <a:r>
+              <a:rPr b="0" lang="pt-BR" sz="4400" spc="-1" strike="noStrike">
+                <a:latin typeface="Arial"/>
+              </a:rPr>
+              <a:t>for</a:t>
+            </a:r>
+            <a:r>
+              <a:rPr b="0" lang="pt-BR" sz="4400" spc="-1" strike="noStrike">
+                <a:latin typeface="Arial"/>
+              </a:rPr>
+              <a:t>mat</a:t>
             </a:r>
             <a:endParaRPr b="0" lang="pt-BR" sz="4400" spc="-1" strike="noStrike">
               <a:latin typeface="Arial"/>
@@ -8439,7 +8577,7 @@
         <p:spPr>
           <a:xfrm>
             <a:off x="0" y="180000"/>
-            <a:ext cx="9710280" cy="1250280"/>
+            <a:ext cx="9709920" cy="1249920"/>
           </a:xfrm>
           <a:prstGeom prst="rect">
             <a:avLst/>
@@ -8467,7 +8605,7 @@
         <p:spPr>
           <a:xfrm>
             <a:off x="7560000" y="6840000"/>
-            <a:ext cx="2510280" cy="530280"/>
+            <a:ext cx="2509920" cy="529920"/>
           </a:xfrm>
           <a:prstGeom prst="rect">
             <a:avLst/>
@@ -8495,7 +8633,7 @@
         <p:spPr>
           <a:xfrm>
             <a:off x="900000" y="6840000"/>
-            <a:ext cx="6470280" cy="530280"/>
+            <a:ext cx="6469920" cy="529920"/>
           </a:xfrm>
           <a:prstGeom prst="rect">
             <a:avLst/>
@@ -8523,7 +8661,7 @@
         <p:spPr>
           <a:xfrm>
             <a:off x="180000" y="6840000"/>
-            <a:ext cx="530280" cy="530280"/>
+            <a:ext cx="529920" cy="529920"/>
           </a:xfrm>
           <a:prstGeom prst="rect">
             <a:avLst/>
@@ -8575,7 +8713,103 @@
               <a:rPr b="0" lang="pt-BR" sz="4400" spc="-1" strike="noStrike">
                 <a:latin typeface="Arial"/>
               </a:rPr>
-              <a:t>Click to edit the title text format</a:t>
+              <a:t>Cl</a:t>
+            </a:r>
+            <a:r>
+              <a:rPr b="0" lang="pt-BR" sz="4400" spc="-1" strike="noStrike">
+                <a:latin typeface="Arial"/>
+              </a:rPr>
+              <a:t>ic</a:t>
+            </a:r>
+            <a:r>
+              <a:rPr b="0" lang="pt-BR" sz="4400" spc="-1" strike="noStrike">
+                <a:latin typeface="Arial"/>
+              </a:rPr>
+              <a:t>k </a:t>
+            </a:r>
+            <a:r>
+              <a:rPr b="0" lang="pt-BR" sz="4400" spc="-1" strike="noStrike">
+                <a:latin typeface="Arial"/>
+              </a:rPr>
+              <a:t>to </a:t>
+            </a:r>
+            <a:r>
+              <a:rPr b="0" lang="pt-BR" sz="4400" spc="-1" strike="noStrike">
+                <a:latin typeface="Arial"/>
+              </a:rPr>
+              <a:t>e</a:t>
+            </a:r>
+            <a:r>
+              <a:rPr b="0" lang="pt-BR" sz="4400" spc="-1" strike="noStrike">
+                <a:latin typeface="Arial"/>
+              </a:rPr>
+              <a:t>di</a:t>
+            </a:r>
+            <a:r>
+              <a:rPr b="0" lang="pt-BR" sz="4400" spc="-1" strike="noStrike">
+                <a:latin typeface="Arial"/>
+              </a:rPr>
+              <a:t>t </a:t>
+            </a:r>
+            <a:r>
+              <a:rPr b="0" lang="pt-BR" sz="4400" spc="-1" strike="noStrike">
+                <a:latin typeface="Arial"/>
+              </a:rPr>
+              <a:t>th</a:t>
+            </a:r>
+            <a:r>
+              <a:rPr b="0" lang="pt-BR" sz="4400" spc="-1" strike="noStrike">
+                <a:latin typeface="Arial"/>
+              </a:rPr>
+              <a:t>e </a:t>
+            </a:r>
+            <a:r>
+              <a:rPr b="0" lang="pt-BR" sz="4400" spc="-1" strike="noStrike">
+                <a:latin typeface="Arial"/>
+              </a:rPr>
+              <a:t>tit</a:t>
+            </a:r>
+            <a:r>
+              <a:rPr b="0" lang="pt-BR" sz="4400" spc="-1" strike="noStrike">
+                <a:latin typeface="Arial"/>
+              </a:rPr>
+              <a:t>le </a:t>
+            </a:r>
+            <a:r>
+              <a:rPr b="0" lang="pt-BR" sz="4400" spc="-1" strike="noStrike">
+                <a:latin typeface="Arial"/>
+              </a:rPr>
+              <a:t>te</a:t>
+            </a:r>
+            <a:r>
+              <a:rPr b="0" lang="pt-BR" sz="4400" spc="-1" strike="noStrike">
+                <a:latin typeface="Arial"/>
+              </a:rPr>
+              <a:t>xt </a:t>
+            </a:r>
+            <a:r>
+              <a:rPr b="0" lang="pt-BR" sz="4400" spc="-1" strike="noStrike">
+                <a:latin typeface="Arial"/>
+              </a:rPr>
+              <a:t>fo</a:t>
+            </a:r>
+            <a:r>
+              <a:rPr b="0" lang="pt-BR" sz="4400" spc="-1" strike="noStrike">
+                <a:latin typeface="Arial"/>
+              </a:rPr>
+              <a:t>r</a:t>
+            </a:r>
+            <a:r>
+              <a:rPr b="0" lang="pt-BR" sz="4400" spc="-1" strike="noStrike">
+                <a:latin typeface="Arial"/>
+              </a:rPr>
+              <a:t>m</a:t>
+            </a:r>
+            <a:r>
+              <a:rPr b="0" lang="pt-BR" sz="4400" spc="-1" strike="noStrike">
+                <a:latin typeface="Arial"/>
+              </a:rPr>
+              <a:t>at</a:t>
             </a:r>
             <a:endParaRPr b="0" lang="pt-BR" sz="4400" spc="-1" strike="noStrike">
               <a:latin typeface="Arial"/>
@@ -8819,7 +9053,7 @@
         <p:spPr>
           <a:xfrm>
             <a:off x="0" y="180000"/>
-            <a:ext cx="9710280" cy="1250280"/>
+            <a:ext cx="9709920" cy="1249920"/>
           </a:xfrm>
           <a:prstGeom prst="rect">
             <a:avLst/>
@@ -8847,7 +9081,7 @@
         <p:spPr>
           <a:xfrm>
             <a:off x="7560000" y="6840000"/>
-            <a:ext cx="2510280" cy="530280"/>
+            <a:ext cx="2509920" cy="529920"/>
           </a:xfrm>
           <a:prstGeom prst="rect">
             <a:avLst/>
@@ -8875,7 +9109,7 @@
         <p:spPr>
           <a:xfrm>
             <a:off x="900000" y="6840000"/>
-            <a:ext cx="6470280" cy="530280"/>
+            <a:ext cx="6469920" cy="529920"/>
           </a:xfrm>
           <a:prstGeom prst="rect">
             <a:avLst/>
@@ -8903,7 +9137,7 @@
         <p:spPr>
           <a:xfrm>
             <a:off x="180000" y="6840000"/>
-            <a:ext cx="530280" cy="530280"/>
+            <a:ext cx="529920" cy="529920"/>
           </a:xfrm>
           <a:prstGeom prst="rect">
             <a:avLst/>
@@ -8955,7 +9189,13 @@
               <a:rPr b="0" lang="pt-BR" sz="4400" spc="-1" strike="noStrike">
                 <a:latin typeface="Arial"/>
               </a:rPr>
-              <a:t>Click to edit the title text format</a:t>
+              <a:t>Click to edit the title text </a:t>
+            </a:r>
+            <a:r>
+              <a:rPr b="0" lang="pt-BR" sz="4400" spc="-1" strike="noStrike">
+                <a:latin typeface="Arial"/>
+              </a:rPr>
+              <a:t>format</a:t>
             </a:r>
             <a:endParaRPr b="0" lang="pt-BR" sz="4400" spc="-1" strike="noStrike">
               <a:latin typeface="Arial"/>
@@ -9192,7 +9432,7 @@
         <p:spPr>
           <a:xfrm>
             <a:off x="360000" y="3330000"/>
-            <a:ext cx="9350280" cy="890280"/>
+            <a:ext cx="9349920" cy="889920"/>
           </a:xfrm>
           <a:prstGeom prst="rect">
             <a:avLst/>
@@ -9244,7 +9484,7 @@
         <p:spPr>
           <a:xfrm>
             <a:off x="540000" y="4680000"/>
-            <a:ext cx="9170280" cy="2510280"/>
+            <a:ext cx="9169920" cy="2509920"/>
           </a:xfrm>
           <a:prstGeom prst="rect">
             <a:avLst/>
@@ -9381,7 +9621,7 @@
         <p:spPr>
           <a:xfrm>
             <a:off x="360000" y="360000"/>
-            <a:ext cx="9350280" cy="890280"/>
+            <a:ext cx="9349920" cy="889920"/>
           </a:xfrm>
           <a:prstGeom prst="rect">
             <a:avLst/>
@@ -9433,7 +9673,7 @@
         <p:spPr>
           <a:xfrm>
             <a:off x="897120" y="6886080"/>
-            <a:ext cx="6437520" cy="355320"/>
+            <a:ext cx="6437160" cy="354960"/>
           </a:xfrm>
           <a:prstGeom prst="rect">
             <a:avLst/>
@@ -9468,7 +9708,7 @@
                 <a:latin typeface="Arial"/>
                 <a:ea typeface="DejaVu Sans"/>
               </a:rPr>
-              <a:t>Programação Imperativa (C) - Prof. André Hochuli @2021</a:t>
+              <a:t>Raciocínio Algorítmico - Prof. André Hochuli</a:t>
             </a:r>
             <a:endParaRPr b="0" lang="pt-BR" sz="1800" spc="-1" strike="noStrike">
               <a:latin typeface="Arial"/>
@@ -9485,7 +9725,7 @@
         <p:spPr>
           <a:xfrm>
             <a:off x="7608600" y="6886080"/>
-            <a:ext cx="2275560" cy="355320"/>
+            <a:ext cx="2275200" cy="354960"/>
           </a:xfrm>
           <a:prstGeom prst="rect">
             <a:avLst/>
@@ -9537,7 +9777,7 @@
         <p:spPr>
           <a:xfrm>
             <a:off x="4026600" y="2912040"/>
-            <a:ext cx="3380040" cy="358560"/>
+            <a:ext cx="3379680" cy="358200"/>
           </a:xfrm>
           <a:prstGeom prst="rect">
             <a:avLst/>
@@ -9562,8 +9802,8 @@
         </p:nvSpPr>
         <p:spPr>
           <a:xfrm flipH="1" rot="16200000">
-            <a:off x="2737800" y="4174560"/>
-            <a:ext cx="398520" cy="1755000"/>
+            <a:off x="2738160" y="4174560"/>
+            <a:ext cx="398160" cy="1754640"/>
           </a:xfrm>
           <a:prstGeom prst="bentUpArrow">
             <a:avLst>
@@ -9598,7 +9838,7 @@
         <p:spPr>
           <a:xfrm>
             <a:off x="503640" y="1759680"/>
-            <a:ext cx="9170640" cy="4746960"/>
+            <a:ext cx="9170280" cy="4746600"/>
           </a:xfrm>
           <a:prstGeom prst="rect">
             <a:avLst/>
@@ -9718,18 +9958,7 @@
                 <a:latin typeface="Latin Modern Sans"/>
                 <a:ea typeface="DejaVu Sans"/>
               </a:rPr>
-              <a:t>Exercícios de Fixação: </a:t>
-            </a:r>
-            <a:r>
-              <a:rPr b="0" lang="pt-BR" sz="1800" spc="-1" strike="noStrike" u="sng">
-                <a:solidFill>
-                  <a:srgbClr val="0000ff"/>
-                </a:solidFill>
-                <a:uFillTx/>
-                <a:latin typeface="Latin Modern Sans"/>
-                <a:ea typeface="DejaVu Sans"/>
-              </a:rPr>
-              <a:t>Tópico</a:t>
+              <a:t>Exercícios de Fixação: Tópico 03 – Exercícios de Fixação</a:t>
             </a:r>
             <a:endParaRPr b="0" lang="pt-BR" sz="1800" spc="-1" strike="noStrike">
               <a:latin typeface="Arial"/>
@@ -9881,7 +10110,7 @@
         <p:spPr>
           <a:xfrm>
             <a:off x="360000" y="360000"/>
-            <a:ext cx="9349920" cy="889920"/>
+            <a:ext cx="9349560" cy="889560"/>
           </a:xfrm>
           <a:prstGeom prst="rect">
             <a:avLst/>
@@ -9933,7 +10162,7 @@
         <p:spPr>
           <a:xfrm>
             <a:off x="360000" y="1980000"/>
-            <a:ext cx="9169920" cy="4669920"/>
+            <a:ext cx="9169560" cy="4669560"/>
           </a:xfrm>
           <a:prstGeom prst="rect">
             <a:avLst/>
@@ -10065,7 +10294,7 @@
         <p:spPr>
           <a:xfrm>
             <a:off x="897120" y="6886080"/>
-            <a:ext cx="6437160" cy="354960"/>
+            <a:ext cx="6436800" cy="354600"/>
           </a:xfrm>
           <a:prstGeom prst="rect">
             <a:avLst/>
@@ -10117,7 +10346,7 @@
         <p:spPr>
           <a:xfrm>
             <a:off x="7608600" y="6886080"/>
-            <a:ext cx="2275200" cy="354960"/>
+            <a:ext cx="2274840" cy="354600"/>
           </a:xfrm>
           <a:prstGeom prst="rect">
             <a:avLst/>
@@ -10173,7 +10402,7 @@
         <p:spPr>
           <a:xfrm>
             <a:off x="2470680" y="3533760"/>
-            <a:ext cx="5269320" cy="1866240"/>
+            <a:ext cx="5268960" cy="1865880"/>
           </a:xfrm>
           <a:prstGeom prst="rect">
             <a:avLst/>
@@ -10192,7 +10421,7 @@
         <p:spPr>
           <a:xfrm>
             <a:off x="2911680" y="5106240"/>
-            <a:ext cx="293760" cy="293760"/>
+            <a:ext cx="293400" cy="293400"/>
           </a:xfrm>
           <a:prstGeom prst="ellipse">
             <a:avLst/>
@@ -10222,7 +10451,7 @@
         <p:spPr>
           <a:xfrm>
             <a:off x="2470680" y="5106240"/>
-            <a:ext cx="293760" cy="293760"/>
+            <a:ext cx="293400" cy="293400"/>
           </a:xfrm>
           <a:prstGeom prst="ellipse">
             <a:avLst/>
@@ -10252,7 +10481,7 @@
         <p:spPr>
           <a:xfrm>
             <a:off x="3376440" y="5106240"/>
-            <a:ext cx="293760" cy="293760"/>
+            <a:ext cx="293400" cy="293400"/>
           </a:xfrm>
           <a:prstGeom prst="ellipse">
             <a:avLst/>
@@ -10312,7 +10541,7 @@
         <p:spPr>
           <a:xfrm>
             <a:off x="360000" y="360000"/>
-            <a:ext cx="9350280" cy="890280"/>
+            <a:ext cx="9349920" cy="889920"/>
           </a:xfrm>
           <a:prstGeom prst="rect">
             <a:avLst/>
@@ -10357,14 +10586,14 @@
       </p:sp>
       <p:sp>
         <p:nvSpPr>
-          <p:cNvPr id="182" name="CustomShape 2"/>
+          <p:cNvPr id="182" name="CustomShape 3"/>
           <p:cNvSpPr/>
           <p:nvPr/>
         </p:nvSpPr>
         <p:spPr>
           <a:xfrm>
-            <a:off x="2642400" y="2154240"/>
-            <a:ext cx="715320" cy="1112040"/>
+            <a:off x="897120" y="6886080"/>
+            <a:ext cx="6437160" cy="354960"/>
           </a:xfrm>
           <a:prstGeom prst="rect">
             <a:avLst/>
@@ -10381,8 +10610,112 @@
           <a:fontRef idx="minor"/>
         </p:style>
         <p:txBody>
-          <a:bodyPr wrap="none" lIns="0" rIns="0" tIns="0" bIns="0" anchor="t">
-            <a:spAutoFit/>
+          <a:bodyPr lIns="90000" rIns="90000" tIns="45000" bIns="45000" anchor="t">
+            <a:noAutofit/>
+          </a:bodyPr>
+          <a:p>
+            <a:pPr>
+              <a:lnSpc>
+                <a:spcPct val="100000"/>
+              </a:lnSpc>
+              <a:buNone/>
+            </a:pPr>
+            <a:r>
+              <a:rPr b="0" lang="pt-BR" sz="1800" spc="-1" strike="noStrike">
+                <a:solidFill>
+                  <a:srgbClr val="000000"/>
+                </a:solidFill>
+                <a:latin typeface="Arial"/>
+                <a:ea typeface="DejaVu Sans"/>
+              </a:rPr>
+              <a:t>Raciocínio Algorítmico - Prof. André Hochuli</a:t>
+            </a:r>
+            <a:endParaRPr b="0" lang="pt-BR" sz="1800" spc="-1" strike="noStrike">
+              <a:latin typeface="Arial"/>
+            </a:endParaRPr>
+          </a:p>
+        </p:txBody>
+      </p:sp>
+      <p:sp>
+        <p:nvSpPr>
+          <p:cNvPr id="183" name="CustomShape 4"/>
+          <p:cNvSpPr/>
+          <p:nvPr/>
+        </p:nvSpPr>
+        <p:spPr>
+          <a:xfrm>
+            <a:off x="7608600" y="6886080"/>
+            <a:ext cx="2275200" cy="354960"/>
+          </a:xfrm>
+          <a:prstGeom prst="rect">
+            <a:avLst/>
+          </a:prstGeom>
+          <a:noFill/>
+          <a:ln w="0">
+            <a:noFill/>
+          </a:ln>
+        </p:spPr>
+        <p:style>
+          <a:lnRef idx="0"/>
+          <a:fillRef idx="0"/>
+          <a:effectRef idx="0"/>
+          <a:fontRef idx="minor"/>
+        </p:style>
+        <p:txBody>
+          <a:bodyPr lIns="90000" rIns="90000" tIns="45000" bIns="45000" anchor="t">
+            <a:noAutofit/>
+          </a:bodyPr>
+          <a:p>
+            <a:pPr>
+              <a:lnSpc>
+                <a:spcPct val="100000"/>
+              </a:lnSpc>
+              <a:buNone/>
+            </a:pPr>
+            <a:r>
+              <a:rPr b="0" lang="pt-BR" sz="1800" spc="-1" strike="noStrike">
+                <a:solidFill>
+                  <a:srgbClr val="000000"/>
+                </a:solidFill>
+                <a:latin typeface="Arial"/>
+                <a:ea typeface="DejaVu Sans"/>
+              </a:rPr>
+              <a:t>Tópico 03</a:t>
+            </a:r>
+            <a:endParaRPr b="0" lang="pt-BR" sz="1800" spc="-1" strike="noStrike">
+              <a:latin typeface="Arial"/>
+            </a:endParaRPr>
+          </a:p>
+        </p:txBody>
+      </p:sp>
+      <p:sp>
+        <p:nvSpPr>
+          <p:cNvPr id="184" name="CustomShape 30"/>
+          <p:cNvSpPr/>
+          <p:nvPr/>
+        </p:nvSpPr>
+        <p:spPr>
+          <a:xfrm>
+            <a:off x="360000" y="1980000"/>
+            <a:ext cx="9169560" cy="4669560"/>
+          </a:xfrm>
+          <a:prstGeom prst="rect">
+            <a:avLst/>
+          </a:prstGeom>
+          <a:noFill/>
+          <a:ln w="0">
+            <a:noFill/>
+          </a:ln>
+        </p:spPr>
+        <p:style>
+          <a:lnRef idx="0"/>
+          <a:fillRef idx="0"/>
+          <a:effectRef idx="0"/>
+          <a:fontRef idx="minor"/>
+        </p:style>
+        <p:txBody>
+          <a:bodyPr lIns="0" rIns="0" tIns="0" bIns="0" anchor="t">
+            <a:normAutofit/>
           </a:bodyPr>
           <a:p>
             <a:pPr>
@@ -10395,36 +10728,90 @@
               <a:buNone/>
             </a:pPr>
             <a:r>
-              <a:rPr b="0" lang="pt-BR" sz="1800" spc="-1" strike="noStrike" u="sng">
+              <a:rPr b="0" lang="pt-BR" sz="1600" spc="-1" strike="noStrike">
                 <a:solidFill>
-                  <a:srgbClr val="0000ff"/>
+                  <a:srgbClr val="1c1c1c"/>
                 </a:solidFill>
-                <a:uFillTx/>
                 <a:latin typeface="Latin Modern Sans"/>
                 <a:ea typeface="DejaVu Sans"/>
               </a:rPr>
-              <a:t>Tópico</a:t>
-            </a:r>
-            <a:endParaRPr b="0" lang="pt-BR" sz="1800" spc="-1" strike="noStrike">
-              <a:latin typeface="Arial"/>
-            </a:endParaRPr>
-          </a:p>
-          <a:p>
-            <a:pPr>
+              <a:t>Correç</a:t>
+            </a:r>
+            <a:r>
+              <a:rPr b="0" lang="pt-BR" sz="1600" spc="-1" strike="noStrike">
+                <a:solidFill>
+                  <a:srgbClr val="1c1c1c"/>
+                </a:solidFill>
+                <a:latin typeface="Latin Modern Sans"/>
+                <a:ea typeface="DejaVu Sans"/>
+              </a:rPr>
+              <a:t>ão </a:t>
+            </a:r>
+            <a:r>
+              <a:rPr b="0" lang="pt-BR" sz="1600" spc="-1" strike="noStrike">
+                <a:solidFill>
+                  <a:srgbClr val="1c1c1c"/>
+                </a:solidFill>
+                <a:latin typeface="Latin Modern Sans"/>
+                <a:ea typeface="DejaVu Sans"/>
+              </a:rPr>
+              <a:t>Exercíc</a:t>
+            </a:r>
+            <a:r>
+              <a:rPr b="0" lang="pt-BR" sz="1600" spc="-1" strike="noStrike">
+                <a:solidFill>
+                  <a:srgbClr val="1c1c1c"/>
+                </a:solidFill>
+                <a:latin typeface="Latin Modern Sans"/>
+                <a:ea typeface="DejaVu Sans"/>
+              </a:rPr>
+              <a:t>ios da </a:t>
+            </a:r>
+            <a:r>
+              <a:rPr b="0" lang="pt-BR" sz="1600" spc="-1" strike="noStrike">
+                <a:solidFill>
+                  <a:srgbClr val="1c1c1c"/>
+                </a:solidFill>
+                <a:latin typeface="Latin Modern Sans"/>
+                <a:ea typeface="DejaVu Sans"/>
+              </a:rPr>
+              <a:t>Tópico </a:t>
+            </a:r>
+            <a:r>
+              <a:rPr b="0" lang="pt-BR" sz="1600" spc="-1" strike="noStrike">
+                <a:solidFill>
+                  <a:srgbClr val="1c1c1c"/>
+                </a:solidFill>
+                <a:latin typeface="Latin Modern Sans"/>
+                <a:ea typeface="DejaVu Sans"/>
+              </a:rPr>
+              <a:t>02</a:t>
+            </a:r>
+            <a:endParaRPr b="0" lang="pt-BR" sz="1600" spc="-1" strike="noStrike">
+              <a:latin typeface="Arial"/>
+            </a:endParaRPr>
+          </a:p>
+          <a:p>
+            <a:pPr marL="216000" indent="-208080">
               <a:lnSpc>
                 <a:spcPct val="100000"/>
               </a:lnSpc>
               <a:spcAft>
                 <a:spcPts val="1140"/>
               </a:spcAft>
-              <a:buNone/>
-            </a:pPr>
-            <a:endParaRPr b="0" lang="pt-BR" sz="1800" spc="-1" strike="noStrike">
-              <a:latin typeface="Arial"/>
-            </a:endParaRPr>
-          </a:p>
-          <a:p>
-            <a:pPr>
+              <a:buClr>
+                <a:srgbClr val="000000"/>
+              </a:buClr>
+              <a:buSzPct val="45000"/>
+              <a:buFont typeface="Wingdings" charset="2"/>
+              <a:buChar char=""/>
+            </a:pPr>
+            <a:endParaRPr b="0" lang="pt-BR" sz="1600" spc="-1" strike="noStrike">
+              <a:latin typeface="Arial"/>
+            </a:endParaRPr>
+          </a:p>
+          <a:p>
+            <a:pPr marL="7560">
               <a:lnSpc>
                 <a:spcPct val="100000"/>
               </a:lnSpc>
@@ -10433,111 +10820,7 @@
               </a:spcAft>
               <a:buNone/>
             </a:pPr>
-            <a:endParaRPr b="0" lang="pt-BR" sz="1800" spc="-1" strike="noStrike">
-              <a:latin typeface="Arial"/>
-            </a:endParaRPr>
-          </a:p>
-        </p:txBody>
-      </p:sp>
-      <p:sp>
-        <p:nvSpPr>
-          <p:cNvPr id="183" name="CustomShape 3"/>
-          <p:cNvSpPr/>
-          <p:nvPr/>
-        </p:nvSpPr>
-        <p:spPr>
-          <a:xfrm>
-            <a:off x="897120" y="6886080"/>
-            <a:ext cx="6437520" cy="355320"/>
-          </a:xfrm>
-          <a:prstGeom prst="rect">
-            <a:avLst/>
-          </a:prstGeom>
-          <a:noFill/>
-          <a:ln w="0">
-            <a:noFill/>
-          </a:ln>
-        </p:spPr>
-        <p:style>
-          <a:lnRef idx="0"/>
-          <a:fillRef idx="0"/>
-          <a:effectRef idx="0"/>
-          <a:fontRef idx="minor"/>
-        </p:style>
-        <p:txBody>
-          <a:bodyPr lIns="90000" rIns="90000" tIns="45000" bIns="45000" anchor="t">
-            <a:noAutofit/>
-          </a:bodyPr>
-          <a:p>
-            <a:pPr>
-              <a:lnSpc>
-                <a:spcPct val="100000"/>
-              </a:lnSpc>
-              <a:buNone/>
-            </a:pPr>
-            <a:r>
-              <a:rPr b="0" lang="pt-BR" sz="1800" spc="-1" strike="noStrike">
-                <a:solidFill>
-                  <a:srgbClr val="000000"/>
-                </a:solidFill>
-                <a:latin typeface="Arial"/>
-                <a:ea typeface="DejaVu Sans"/>
-              </a:rPr>
-              <a:t>Raciocínio Algorítmico - Prof. André Hochuli</a:t>
-            </a:r>
-            <a:endParaRPr b="0" lang="pt-BR" sz="1800" spc="-1" strike="noStrike">
-              <a:latin typeface="Arial"/>
-            </a:endParaRPr>
-          </a:p>
-        </p:txBody>
-      </p:sp>
-      <p:sp>
-        <p:nvSpPr>
-          <p:cNvPr id="184" name="CustomShape 4"/>
-          <p:cNvSpPr/>
-          <p:nvPr/>
-        </p:nvSpPr>
-        <p:spPr>
-          <a:xfrm>
-            <a:off x="7608600" y="6886080"/>
-            <a:ext cx="2275560" cy="355320"/>
-          </a:xfrm>
-          <a:prstGeom prst="rect">
-            <a:avLst/>
-          </a:prstGeom>
-          <a:noFill/>
-          <a:ln w="0">
-            <a:noFill/>
-          </a:ln>
-        </p:spPr>
-        <p:style>
-          <a:lnRef idx="0"/>
-          <a:fillRef idx="0"/>
-          <a:effectRef idx="0"/>
-          <a:fontRef idx="minor"/>
-        </p:style>
-        <p:txBody>
-          <a:bodyPr lIns="90000" rIns="90000" tIns="45000" bIns="45000" anchor="t">
-            <a:noAutofit/>
-          </a:bodyPr>
-          <a:p>
-            <a:pPr>
-              <a:lnSpc>
-                <a:spcPct val="100000"/>
-              </a:lnSpc>
-              <a:buNone/>
-            </a:pPr>
-            <a:r>
-              <a:rPr b="0" lang="pt-BR" sz="1800" spc="-1" strike="noStrike">
-                <a:solidFill>
-                  <a:srgbClr val="000000"/>
-                </a:solidFill>
-                <a:latin typeface="Arial"/>
-                <a:ea typeface="DejaVu Sans"/>
-              </a:rPr>
-              <a:t>Tópico 03</a:t>
-            </a:r>
-            <a:endParaRPr b="0" lang="pt-BR" sz="1800" spc="-1" strike="noStrike">
+            <a:endParaRPr b="0" lang="pt-BR" sz="1600" spc="-1" strike="noStrike">
               <a:latin typeface="Arial"/>
             </a:endParaRPr>
           </a:p>
@@ -10582,7 +10865,7 @@
         <p:spPr>
           <a:xfrm>
             <a:off x="360000" y="360000"/>
-            <a:ext cx="9350280" cy="890280"/>
+            <a:ext cx="9349920" cy="889920"/>
           </a:xfrm>
           <a:prstGeom prst="rect">
             <a:avLst/>
@@ -10634,7 +10917,7 @@
         <p:spPr>
           <a:xfrm>
             <a:off x="897120" y="6886080"/>
-            <a:ext cx="6437520" cy="355320"/>
+            <a:ext cx="6437160" cy="354960"/>
           </a:xfrm>
           <a:prstGeom prst="rect">
             <a:avLst/>
@@ -10669,7 +10952,7 @@
                 <a:latin typeface="Arial"/>
                 <a:ea typeface="DejaVu Sans"/>
               </a:rPr>
-              <a:t>Programação Imperativa (C) - Prof. André Hochuli @2021</a:t>
+              <a:t>Raciocínio Algorítmico - Prof. André Hochuli</a:t>
             </a:r>
             <a:endParaRPr b="0" lang="pt-BR" sz="1800" spc="-1" strike="noStrike">
               <a:latin typeface="Arial"/>
@@ -10686,7 +10969,7 @@
         <p:spPr>
           <a:xfrm>
             <a:off x="7608600" y="6886080"/>
-            <a:ext cx="2275560" cy="355320"/>
+            <a:ext cx="2275200" cy="354960"/>
           </a:xfrm>
           <a:prstGeom prst="rect">
             <a:avLst/>
@@ -10738,7 +11021,7 @@
         <p:spPr>
           <a:xfrm>
             <a:off x="4026600" y="2912040"/>
-            <a:ext cx="3380040" cy="358560"/>
+            <a:ext cx="3379680" cy="358200"/>
           </a:xfrm>
           <a:prstGeom prst="rect">
             <a:avLst/>
@@ -10763,8 +11046,8 @@
         </p:nvSpPr>
         <p:spPr>
           <a:xfrm flipH="1" rot="10800000">
-            <a:off x="17998920" y="11130480"/>
-            <a:ext cx="697680" cy="354240"/>
+            <a:off x="17998560" y="11130840"/>
+            <a:ext cx="697320" cy="353880"/>
           </a:xfrm>
           <a:prstGeom prst="bentUpArrow">
             <a:avLst>
@@ -10798,8 +11081,8 @@
         </p:nvSpPr>
         <p:spPr>
           <a:xfrm rot="10800000">
-            <a:off x="16094880" y="11130480"/>
-            <a:ext cx="734040" cy="354240"/>
+            <a:off x="16095240" y="11130840"/>
+            <a:ext cx="733680" cy="353880"/>
           </a:xfrm>
           <a:prstGeom prst="bentUpArrow">
             <a:avLst>
@@ -10834,7 +11117,7 @@
         <p:spPr>
           <a:xfrm>
             <a:off x="663120" y="2354760"/>
-            <a:ext cx="1214640" cy="384480"/>
+            <a:ext cx="1214280" cy="384120"/>
           </a:xfrm>
           <a:prstGeom prst="rect">
             <a:avLst/>
@@ -10912,7 +11195,7 @@
         <p:spPr>
           <a:xfrm>
             <a:off x="2549160" y="3098160"/>
-            <a:ext cx="1215720" cy="256680"/>
+            <a:ext cx="1215360" cy="256320"/>
           </a:xfrm>
           <a:prstGeom prst="rect">
             <a:avLst/>
@@ -10969,7 +11252,7 @@
         <p:spPr>
           <a:xfrm>
             <a:off x="723960" y="6382080"/>
-            <a:ext cx="1092600" cy="384480"/>
+            <a:ext cx="1092240" cy="384120"/>
           </a:xfrm>
           <a:prstGeom prst="rect">
             <a:avLst/>
@@ -11026,7 +11309,7 @@
         <p:spPr>
           <a:xfrm>
             <a:off x="542520" y="2878560"/>
-            <a:ext cx="1455840" cy="692280"/>
+            <a:ext cx="1455480" cy="691920"/>
           </a:xfrm>
           <a:prstGeom prst="diamond">
             <a:avLst/>
@@ -11083,7 +11366,7 @@
         <p:spPr>
           <a:xfrm>
             <a:off x="1970640" y="2928600"/>
-            <a:ext cx="590760" cy="253440"/>
+            <a:ext cx="590400" cy="253080"/>
           </a:xfrm>
           <a:prstGeom prst="rect">
             <a:avLst/>
@@ -11135,7 +11418,7 @@
         <p:spPr>
           <a:xfrm>
             <a:off x="5310360" y="3706560"/>
-            <a:ext cx="1840680" cy="1580760"/>
+            <a:ext cx="1840320" cy="1580400"/>
           </a:xfrm>
           <a:prstGeom prst="rightArrow">
             <a:avLst>
@@ -11202,7 +11485,7 @@
         <p:spPr>
           <a:xfrm>
             <a:off x="7336800" y="2758680"/>
-            <a:ext cx="1753560" cy="3754440"/>
+            <a:ext cx="1753200" cy="3754080"/>
           </a:xfrm>
           <a:prstGeom prst="rect">
             <a:avLst/>
@@ -11582,7 +11865,7 @@
         <p:spPr>
           <a:xfrm>
             <a:off x="2000160" y="3225600"/>
-            <a:ext cx="546840" cy="360"/>
+            <a:ext cx="546480" cy="360"/>
           </a:xfrm>
           <a:custGeom>
             <a:avLst/>
@@ -11630,7 +11913,7 @@
         <p:spPr>
           <a:xfrm>
             <a:off x="1271520" y="3572640"/>
-            <a:ext cx="360" cy="384480"/>
+            <a:ext cx="360" cy="384120"/>
           </a:xfrm>
           <a:custGeom>
             <a:avLst/>
@@ -11678,7 +11961,7 @@
         <p:spPr>
           <a:xfrm>
             <a:off x="588960" y="3560040"/>
-            <a:ext cx="734040" cy="228960"/>
+            <a:ext cx="733680" cy="228600"/>
           </a:xfrm>
           <a:prstGeom prst="rect">
             <a:avLst/>
@@ -11730,7 +12013,7 @@
         <p:spPr>
           <a:xfrm>
             <a:off x="1271520" y="2741400"/>
-            <a:ext cx="360" cy="135000"/>
+            <a:ext cx="360" cy="134640"/>
           </a:xfrm>
           <a:custGeom>
             <a:avLst/>
@@ -11778,7 +12061,7 @@
         <p:spPr>
           <a:xfrm>
             <a:off x="2553840" y="4069800"/>
-            <a:ext cx="1225440" cy="256680"/>
+            <a:ext cx="1225080" cy="256320"/>
           </a:xfrm>
           <a:prstGeom prst="rect">
             <a:avLst/>
@@ -11835,7 +12118,7 @@
         <p:spPr>
           <a:xfrm>
             <a:off x="547200" y="3850200"/>
-            <a:ext cx="1455840" cy="692280"/>
+            <a:ext cx="1455480" cy="691920"/>
           </a:xfrm>
           <a:prstGeom prst="diamond">
             <a:avLst/>
@@ -11892,7 +12175,7 @@
         <p:spPr>
           <a:xfrm>
             <a:off x="1975680" y="3900600"/>
-            <a:ext cx="590760" cy="253440"/>
+            <a:ext cx="590400" cy="253080"/>
           </a:xfrm>
           <a:prstGeom prst="rect">
             <a:avLst/>
@@ -11944,7 +12227,7 @@
         <p:spPr>
           <a:xfrm>
             <a:off x="2005200" y="4197600"/>
-            <a:ext cx="546840" cy="360"/>
+            <a:ext cx="546480" cy="360"/>
           </a:xfrm>
           <a:custGeom>
             <a:avLst/>
@@ -11992,7 +12275,7 @@
         <p:spPr>
           <a:xfrm>
             <a:off x="1276200" y="4544640"/>
-            <a:ext cx="360" cy="384480"/>
+            <a:ext cx="360" cy="384120"/>
           </a:xfrm>
           <a:custGeom>
             <a:avLst/>
@@ -12040,7 +12323,7 @@
         <p:spPr>
           <a:xfrm>
             <a:off x="593640" y="4531680"/>
-            <a:ext cx="734040" cy="228960"/>
+            <a:ext cx="733680" cy="228600"/>
           </a:xfrm>
           <a:prstGeom prst="rect">
             <a:avLst/>
@@ -12092,7 +12375,7 @@
         <p:spPr>
           <a:xfrm>
             <a:off x="2549160" y="5030640"/>
-            <a:ext cx="1215720" cy="256680"/>
+            <a:ext cx="1215360" cy="256320"/>
           </a:xfrm>
           <a:prstGeom prst="rect">
             <a:avLst/>
@@ -12149,7 +12432,7 @@
         <p:spPr>
           <a:xfrm>
             <a:off x="542520" y="4811040"/>
-            <a:ext cx="1455840" cy="692280"/>
+            <a:ext cx="1455480" cy="691920"/>
           </a:xfrm>
           <a:prstGeom prst="diamond">
             <a:avLst/>
@@ -12206,7 +12489,7 @@
         <p:spPr>
           <a:xfrm>
             <a:off x="1970640" y="4861080"/>
-            <a:ext cx="590760" cy="253440"/>
+            <a:ext cx="590400" cy="253080"/>
           </a:xfrm>
           <a:prstGeom prst="rect">
             <a:avLst/>
@@ -12258,7 +12541,7 @@
         <p:spPr>
           <a:xfrm>
             <a:off x="2000160" y="5158080"/>
-            <a:ext cx="546840" cy="360"/>
+            <a:ext cx="546480" cy="360"/>
           </a:xfrm>
           <a:custGeom>
             <a:avLst/>
@@ -12305,8 +12588,8 @@
         </p:nvSpPr>
         <p:spPr>
           <a:xfrm flipH="1">
-            <a:off x="1267200" y="5505480"/>
-            <a:ext cx="360" cy="298800"/>
+            <a:off x="1266480" y="5505480"/>
+            <a:ext cx="360" cy="298440"/>
           </a:xfrm>
           <a:custGeom>
             <a:avLst/>
@@ -12354,7 +12637,7 @@
         <p:spPr>
           <a:xfrm>
             <a:off x="588960" y="5408640"/>
-            <a:ext cx="734040" cy="228960"/>
+            <a:ext cx="733680" cy="228600"/>
           </a:xfrm>
           <a:prstGeom prst="rect">
             <a:avLst/>
@@ -12405,8 +12688,8 @@
         </p:nvSpPr>
         <p:spPr>
           <a:xfrm flipH="1">
-            <a:off x="1816560" y="3227400"/>
-            <a:ext cx="1946160" cy="3345480"/>
+            <a:off x="1815840" y="3227400"/>
+            <a:ext cx="1945800" cy="3345120"/>
           </a:xfrm>
           <a:prstGeom prst="bentConnector3">
             <a:avLst>
@@ -12443,7 +12726,7 @@
         <p:spPr>
           <a:xfrm flipH="1">
             <a:off x="1816560" y="4199400"/>
-            <a:ext cx="1950840" cy="2373840"/>
+            <a:ext cx="1950480" cy="2373480"/>
           </a:xfrm>
           <a:prstGeom prst="bentConnector3">
             <a:avLst>
@@ -12479,8 +12762,8 @@
         </p:nvSpPr>
         <p:spPr>
           <a:xfrm flipH="1">
-            <a:off x="1816560" y="5159880"/>
-            <a:ext cx="1946160" cy="1413000"/>
+            <a:off x="1815840" y="5159880"/>
+            <a:ext cx="1945800" cy="1412640"/>
           </a:xfrm>
           <a:prstGeom prst="bentConnector3">
             <a:avLst>
@@ -12517,7 +12800,7 @@
         <p:spPr>
           <a:xfrm>
             <a:off x="360000" y="1705680"/>
-            <a:ext cx="9170280" cy="4670280"/>
+            <a:ext cx="9169920" cy="4669920"/>
           </a:xfrm>
           <a:prstGeom prst="rect">
             <a:avLst/>
@@ -12611,7 +12894,7 @@
         <p:spPr>
           <a:xfrm>
             <a:off x="952200" y="5806440"/>
-            <a:ext cx="734040" cy="284400"/>
+            <a:ext cx="733680" cy="284040"/>
           </a:xfrm>
           <a:prstGeom prst="rect">
             <a:avLst/>
@@ -12673,7 +12956,7 @@
         <p:spPr>
           <a:xfrm>
             <a:off x="1725840" y="5932440"/>
-            <a:ext cx="821160" cy="2520"/>
+            <a:ext cx="820800" cy="2160"/>
           </a:xfrm>
           <a:custGeom>
             <a:avLst/>
@@ -12721,7 +13004,7 @@
         <p:spPr>
           <a:xfrm>
             <a:off x="2549160" y="5807520"/>
-            <a:ext cx="1215720" cy="256680"/>
+            <a:ext cx="1215360" cy="256320"/>
           </a:xfrm>
           <a:prstGeom prst="rect">
             <a:avLst/>
@@ -12777,8 +13060,8 @@
         </p:nvSpPr>
         <p:spPr>
           <a:xfrm flipH="1">
-            <a:off x="1816560" y="5937120"/>
-            <a:ext cx="1946160" cy="636120"/>
+            <a:off x="1815840" y="5937120"/>
+            <a:ext cx="1945800" cy="635760"/>
           </a:xfrm>
           <a:prstGeom prst="bentConnector3">
             <a:avLst>
@@ -12815,7 +13098,7 @@
         <p:spPr>
           <a:xfrm>
             <a:off x="229680" y="2476440"/>
-            <a:ext cx="97560" cy="4204080"/>
+            <a:ext cx="97200" cy="4203720"/>
           </a:xfrm>
           <a:prstGeom prst="downArrow">
             <a:avLst>
@@ -12886,7 +13169,7 @@
         <p:spPr>
           <a:xfrm>
             <a:off x="360000" y="360000"/>
-            <a:ext cx="9350280" cy="890280"/>
+            <a:ext cx="9349920" cy="889920"/>
           </a:xfrm>
           <a:prstGeom prst="rect">
             <a:avLst/>
@@ -12938,7 +13221,7 @@
         <p:spPr>
           <a:xfrm>
             <a:off x="897120" y="6886080"/>
-            <a:ext cx="6437520" cy="355320"/>
+            <a:ext cx="6437160" cy="354960"/>
           </a:xfrm>
           <a:prstGeom prst="rect">
             <a:avLst/>
@@ -12973,7 +13256,7 @@
                 <a:latin typeface="Arial"/>
                 <a:ea typeface="DejaVu Sans"/>
               </a:rPr>
-              <a:t>Programação Imperativa (C) - Prof. André Hochuli @2021</a:t>
+              <a:t>Raciocínio Algorítmico - Prof. André Hochuli</a:t>
             </a:r>
             <a:endParaRPr b="0" lang="pt-BR" sz="1800" spc="-1" strike="noStrike">
               <a:latin typeface="Arial"/>
@@ -12990,7 +13273,7 @@
         <p:spPr>
           <a:xfrm>
             <a:off x="7608600" y="6886080"/>
-            <a:ext cx="2275560" cy="355320"/>
+            <a:ext cx="2275200" cy="354960"/>
           </a:xfrm>
           <a:prstGeom prst="rect">
             <a:avLst/>
@@ -13042,7 +13325,7 @@
         <p:spPr>
           <a:xfrm>
             <a:off x="4026600" y="2912040"/>
-            <a:ext cx="3380040" cy="358560"/>
+            <a:ext cx="3379680" cy="358200"/>
           </a:xfrm>
           <a:prstGeom prst="rect">
             <a:avLst/>
@@ -13067,8 +13350,8 @@
         </p:nvSpPr>
         <p:spPr>
           <a:xfrm flipH="1" rot="16200000">
-            <a:off x="2737800" y="4174560"/>
-            <a:ext cx="398520" cy="1755000"/>
+            <a:off x="2738160" y="4174560"/>
+            <a:ext cx="398160" cy="1754640"/>
           </a:xfrm>
           <a:prstGeom prst="bentUpArrow">
             <a:avLst>
@@ -13103,7 +13386,7 @@
         <p:spPr>
           <a:xfrm>
             <a:off x="503640" y="1759680"/>
-            <a:ext cx="9170640" cy="4746960"/>
+            <a:ext cx="9170280" cy="4746600"/>
           </a:xfrm>
           <a:prstGeom prst="rect">
             <a:avLst/>
@@ -13423,7 +13706,7 @@
         <p:spPr>
           <a:xfrm>
             <a:off x="1080000" y="2160720"/>
-            <a:ext cx="3239280" cy="2283840"/>
+            <a:ext cx="3238920" cy="2283840"/>
           </a:xfrm>
           <a:prstGeom prst="rect">
             <a:avLst/>
@@ -13762,7 +14045,7 @@
         <p:spPr>
           <a:xfrm>
             <a:off x="360000" y="360000"/>
-            <a:ext cx="9350280" cy="890280"/>
+            <a:ext cx="9349920" cy="889920"/>
           </a:xfrm>
           <a:prstGeom prst="rect">
             <a:avLst/>
@@ -13814,7 +14097,7 @@
         <p:spPr>
           <a:xfrm>
             <a:off x="897120" y="6886080"/>
-            <a:ext cx="6437520" cy="355320"/>
+            <a:ext cx="6437160" cy="354960"/>
           </a:xfrm>
           <a:prstGeom prst="rect">
             <a:avLst/>
@@ -13849,7 +14132,7 @@
                 <a:latin typeface="Arial"/>
                 <a:ea typeface="DejaVu Sans"/>
               </a:rPr>
-              <a:t>Programação Imperativa (C) - Prof. André Hochuli @2021</a:t>
+              <a:t>Raciocínio Algorítmico - Prof. André Hochuli</a:t>
             </a:r>
             <a:endParaRPr b="0" lang="pt-BR" sz="1800" spc="-1" strike="noStrike">
               <a:latin typeface="Arial"/>
@@ -13866,7 +14149,7 @@
         <p:spPr>
           <a:xfrm>
             <a:off x="7608600" y="6886080"/>
-            <a:ext cx="2275560" cy="355320"/>
+            <a:ext cx="2275200" cy="354960"/>
           </a:xfrm>
           <a:prstGeom prst="rect">
             <a:avLst/>
@@ -13918,7 +14201,7 @@
         <p:spPr>
           <a:xfrm>
             <a:off x="4026600" y="2912040"/>
-            <a:ext cx="3380040" cy="358560"/>
+            <a:ext cx="3379680" cy="358200"/>
           </a:xfrm>
           <a:prstGeom prst="rect">
             <a:avLst/>
@@ -13943,8 +14226,8 @@
         </p:nvSpPr>
         <p:spPr>
           <a:xfrm flipH="1" rot="16200000">
-            <a:off x="2737800" y="4174560"/>
-            <a:ext cx="398520" cy="1755000"/>
+            <a:off x="2738160" y="4174560"/>
+            <a:ext cx="398160" cy="1754640"/>
           </a:xfrm>
           <a:prstGeom prst="bentUpArrow">
             <a:avLst>
@@ -13979,7 +14262,7 @@
         <p:spPr>
           <a:xfrm>
             <a:off x="503640" y="1759680"/>
-            <a:ext cx="9170640" cy="4746960"/>
+            <a:ext cx="9170280" cy="4746600"/>
           </a:xfrm>
           <a:prstGeom prst="rect">
             <a:avLst/>
@@ -14299,7 +14582,7 @@
         <p:spPr>
           <a:xfrm>
             <a:off x="1080000" y="2160720"/>
-            <a:ext cx="3239280" cy="2283840"/>
+            <a:ext cx="3238920" cy="2283840"/>
           </a:xfrm>
           <a:prstGeom prst="rect">
             <a:avLst/>
@@ -14638,7 +14921,7 @@
         <p:spPr>
           <a:xfrm>
             <a:off x="360000" y="360000"/>
-            <a:ext cx="9350280" cy="890280"/>
+            <a:ext cx="9349920" cy="889920"/>
           </a:xfrm>
           <a:prstGeom prst="rect">
             <a:avLst/>
@@ -14690,7 +14973,7 @@
         <p:spPr>
           <a:xfrm>
             <a:off x="897120" y="6886080"/>
-            <a:ext cx="6437520" cy="355320"/>
+            <a:ext cx="6437160" cy="354960"/>
           </a:xfrm>
           <a:prstGeom prst="rect">
             <a:avLst/>
@@ -14725,7 +15008,7 @@
                 <a:latin typeface="Arial"/>
                 <a:ea typeface="DejaVu Sans"/>
               </a:rPr>
-              <a:t>Programação Imperativa (C) - Prof. André Hochuli @2021</a:t>
+              <a:t>Raciocínio Algorítmico - Prof. André Hochuli</a:t>
             </a:r>
             <a:endParaRPr b="0" lang="pt-BR" sz="1800" spc="-1" strike="noStrike">
               <a:latin typeface="Arial"/>
@@ -14742,7 +15025,7 @@
         <p:spPr>
           <a:xfrm>
             <a:off x="7608600" y="6886080"/>
-            <a:ext cx="2275560" cy="355320"/>
+            <a:ext cx="2275200" cy="354960"/>
           </a:xfrm>
           <a:prstGeom prst="rect">
             <a:avLst/>
@@ -14794,7 +15077,7 @@
         <p:spPr>
           <a:xfrm>
             <a:off x="4026600" y="2912040"/>
-            <a:ext cx="3380040" cy="358560"/>
+            <a:ext cx="3379680" cy="358200"/>
           </a:xfrm>
           <a:prstGeom prst="rect">
             <a:avLst/>
@@ -14819,8 +15102,8 @@
         </p:nvSpPr>
         <p:spPr>
           <a:xfrm flipH="1" rot="16200000">
-            <a:off x="2737800" y="4174560"/>
-            <a:ext cx="398520" cy="1755000"/>
+            <a:off x="2738160" y="4174560"/>
+            <a:ext cx="398160" cy="1754640"/>
           </a:xfrm>
           <a:prstGeom prst="bentUpArrow">
             <a:avLst>
@@ -14855,7 +15138,7 @@
         <p:spPr>
           <a:xfrm>
             <a:off x="503640" y="1759680"/>
-            <a:ext cx="9170640" cy="4746960"/>
+            <a:ext cx="9170280" cy="4746600"/>
           </a:xfrm>
           <a:prstGeom prst="rect">
             <a:avLst/>
@@ -15880,7 +16163,7 @@
         <p:spPr>
           <a:xfrm>
             <a:off x="360000" y="360000"/>
-            <a:ext cx="9350280" cy="890280"/>
+            <a:ext cx="9349920" cy="889920"/>
           </a:xfrm>
           <a:prstGeom prst="rect">
             <a:avLst/>
@@ -15932,7 +16215,7 @@
         <p:spPr>
           <a:xfrm>
             <a:off x="897120" y="6886080"/>
-            <a:ext cx="6437520" cy="355320"/>
+            <a:ext cx="6437160" cy="354960"/>
           </a:xfrm>
           <a:prstGeom prst="rect">
             <a:avLst/>
@@ -15967,7 +16250,7 @@
                 <a:latin typeface="Arial"/>
                 <a:ea typeface="DejaVu Sans"/>
               </a:rPr>
-              <a:t>Programação Imperativa (C) - Prof. André Hochuli @2021</a:t>
+              <a:t>Raciocínio Algorítmico - Prof. André Hochuli</a:t>
             </a:r>
             <a:endParaRPr b="0" lang="pt-BR" sz="1800" spc="-1" strike="noStrike">
               <a:latin typeface="Arial"/>
@@ -15984,7 +16267,7 @@
         <p:spPr>
           <a:xfrm>
             <a:off x="7608600" y="6886080"/>
-            <a:ext cx="2275560" cy="355320"/>
+            <a:ext cx="2275200" cy="354960"/>
           </a:xfrm>
           <a:prstGeom prst="rect">
             <a:avLst/>
@@ -16036,7 +16319,7 @@
         <p:spPr>
           <a:xfrm>
             <a:off x="4026600" y="2912040"/>
-            <a:ext cx="3380040" cy="358560"/>
+            <a:ext cx="3379680" cy="358200"/>
           </a:xfrm>
           <a:prstGeom prst="rect">
             <a:avLst/>
@@ -16061,8 +16344,8 @@
         </p:nvSpPr>
         <p:spPr>
           <a:xfrm flipH="1" rot="16200000">
-            <a:off x="2737800" y="4174560"/>
-            <a:ext cx="398520" cy="1755000"/>
+            <a:off x="2738160" y="4174560"/>
+            <a:ext cx="398160" cy="1754640"/>
           </a:xfrm>
           <a:prstGeom prst="bentUpArrow">
             <a:avLst>
@@ -16097,7 +16380,7 @@
         <p:spPr>
           <a:xfrm>
             <a:off x="503640" y="1759680"/>
-            <a:ext cx="9170640" cy="4746960"/>
+            <a:ext cx="9170280" cy="4746600"/>
           </a:xfrm>
           <a:prstGeom prst="rect">
             <a:avLst/>
@@ -16264,7 +16547,7 @@
         <p:spPr>
           <a:xfrm>
             <a:off x="574920" y="2700000"/>
-            <a:ext cx="4104360" cy="3047040"/>
+            <a:ext cx="4104000" cy="3046680"/>
           </a:xfrm>
           <a:prstGeom prst="rect">
             <a:avLst/>
@@ -16287,7 +16570,7 @@
         <p:spPr>
           <a:xfrm>
             <a:off x="4860000" y="2396880"/>
-            <a:ext cx="4761360" cy="3542400"/>
+            <a:ext cx="4761000" cy="3542040"/>
           </a:xfrm>
           <a:prstGeom prst="rect">
             <a:avLst/>
@@ -16336,7 +16619,7 @@
         <p:spPr>
           <a:xfrm>
             <a:off x="360000" y="360000"/>
-            <a:ext cx="9350280" cy="890280"/>
+            <a:ext cx="9349920" cy="889920"/>
           </a:xfrm>
           <a:prstGeom prst="rect">
             <a:avLst/>
@@ -16388,7 +16671,7 @@
         <p:spPr>
           <a:xfrm>
             <a:off x="897120" y="6886080"/>
-            <a:ext cx="6437520" cy="355320"/>
+            <a:ext cx="6437160" cy="354960"/>
           </a:xfrm>
           <a:prstGeom prst="rect">
             <a:avLst/>
@@ -16423,7 +16706,7 @@
                 <a:latin typeface="Arial"/>
                 <a:ea typeface="DejaVu Sans"/>
               </a:rPr>
-              <a:t>Programação Imperativa (C) - Prof. André Hochuli @2021</a:t>
+              <a:t>Raciocínio Algorítmico - Prof. André Hochuli</a:t>
             </a:r>
             <a:endParaRPr b="0" lang="pt-BR" sz="1800" spc="-1" strike="noStrike">
               <a:latin typeface="Arial"/>
@@ -16440,7 +16723,7 @@
         <p:spPr>
           <a:xfrm>
             <a:off x="7608600" y="6886080"/>
-            <a:ext cx="2275560" cy="355320"/>
+            <a:ext cx="2275200" cy="354960"/>
           </a:xfrm>
           <a:prstGeom prst="rect">
             <a:avLst/>
@@ -16492,7 +16775,7 @@
         <p:spPr>
           <a:xfrm>
             <a:off x="4026600" y="2912040"/>
-            <a:ext cx="3380040" cy="358560"/>
+            <a:ext cx="3379680" cy="358200"/>
           </a:xfrm>
           <a:prstGeom prst="rect">
             <a:avLst/>
@@ -16517,8 +16800,8 @@
         </p:nvSpPr>
         <p:spPr>
           <a:xfrm flipH="1" rot="16200000">
-            <a:off x="2737800" y="4174560"/>
-            <a:ext cx="398520" cy="1755000"/>
+            <a:off x="2738160" y="4174560"/>
+            <a:ext cx="398160" cy="1754640"/>
           </a:xfrm>
           <a:prstGeom prst="bentUpArrow">
             <a:avLst>
@@ -16553,7 +16836,7 @@
         <p:spPr>
           <a:xfrm>
             <a:off x="503640" y="1759680"/>
-            <a:ext cx="9170640" cy="4746960"/>
+            <a:ext cx="9170280" cy="4746600"/>
           </a:xfrm>
           <a:prstGeom prst="rect">
             <a:avLst/>
@@ -16720,7 +17003,7 @@
         <p:spPr>
           <a:xfrm>
             <a:off x="3689640" y="1800000"/>
-            <a:ext cx="2969640" cy="4679280"/>
+            <a:ext cx="2969280" cy="4678920"/>
           </a:xfrm>
           <a:prstGeom prst="rect">
             <a:avLst/>
